--- a/README.assets/logo.pptx
+++ b/README.assets/logo.pptx
@@ -6,6 +6,8 @@
   </p:sldMasterIdLst>
   <p:sldIdLst>
     <p:sldId id="256" r:id="rId2"/>
+    <p:sldId id="257" r:id="rId3"/>
+    <p:sldId id="258" r:id="rId4"/>
   </p:sldIdLst>
   <p:sldSz cx="12192000" cy="6858000"/>
   <p:notesSz cx="6858000" cy="9144000"/>
@@ -104,6 +106,11 @@
       </a:defRPr>
     </a:lvl9pPr>
   </p:defaultTextStyle>
+  <p:extLst>
+    <p:ext uri="{EFAFB233-063F-42B5-8137-9DF3F51BA10A}">
+      <p15:sldGuideLst xmlns:p15="http://schemas.microsoft.com/office/powerpoint/2012/main"/>
+    </p:ext>
+  </p:extLst>
 </p:presentation>
 </file>
 
@@ -254,7 +261,7 @@
           <a:p>
             <a:fld id="{924ED8FA-2810-43A7-BF37-FF1F2D76931E}" type="datetimeFigureOut">
               <a:rPr lang="zh-CN" altLang="en-US" smtClean="0"/>
-              <a:t>2022/1/21</a:t>
+              <a:t>2022/1/27</a:t>
             </a:fld>
             <a:endParaRPr lang="zh-CN" altLang="en-US"/>
           </a:p>
@@ -452,7 +459,7 @@
           <a:p>
             <a:fld id="{924ED8FA-2810-43A7-BF37-FF1F2D76931E}" type="datetimeFigureOut">
               <a:rPr lang="zh-CN" altLang="en-US" smtClean="0"/>
-              <a:t>2022/1/21</a:t>
+              <a:t>2022/1/27</a:t>
             </a:fld>
             <a:endParaRPr lang="zh-CN" altLang="en-US"/>
           </a:p>
@@ -660,7 +667,7 @@
           <a:p>
             <a:fld id="{924ED8FA-2810-43A7-BF37-FF1F2D76931E}" type="datetimeFigureOut">
               <a:rPr lang="zh-CN" altLang="en-US" smtClean="0"/>
-              <a:t>2022/1/21</a:t>
+              <a:t>2022/1/27</a:t>
             </a:fld>
             <a:endParaRPr lang="zh-CN" altLang="en-US"/>
           </a:p>
@@ -858,7 +865,7 @@
           <a:p>
             <a:fld id="{924ED8FA-2810-43A7-BF37-FF1F2D76931E}" type="datetimeFigureOut">
               <a:rPr lang="zh-CN" altLang="en-US" smtClean="0"/>
-              <a:t>2022/1/21</a:t>
+              <a:t>2022/1/27</a:t>
             </a:fld>
             <a:endParaRPr lang="zh-CN" altLang="en-US"/>
           </a:p>
@@ -1133,7 +1140,7 @@
           <a:p>
             <a:fld id="{924ED8FA-2810-43A7-BF37-FF1F2D76931E}" type="datetimeFigureOut">
               <a:rPr lang="zh-CN" altLang="en-US" smtClean="0"/>
-              <a:t>2022/1/21</a:t>
+              <a:t>2022/1/27</a:t>
             </a:fld>
             <a:endParaRPr lang="zh-CN" altLang="en-US"/>
           </a:p>
@@ -1398,7 +1405,7 @@
           <a:p>
             <a:fld id="{924ED8FA-2810-43A7-BF37-FF1F2D76931E}" type="datetimeFigureOut">
               <a:rPr lang="zh-CN" altLang="en-US" smtClean="0"/>
-              <a:t>2022/1/21</a:t>
+              <a:t>2022/1/27</a:t>
             </a:fld>
             <a:endParaRPr lang="zh-CN" altLang="en-US"/>
           </a:p>
@@ -1810,7 +1817,7 @@
           <a:p>
             <a:fld id="{924ED8FA-2810-43A7-BF37-FF1F2D76931E}" type="datetimeFigureOut">
               <a:rPr lang="zh-CN" altLang="en-US" smtClean="0"/>
-              <a:t>2022/1/21</a:t>
+              <a:t>2022/1/27</a:t>
             </a:fld>
             <a:endParaRPr lang="zh-CN" altLang="en-US"/>
           </a:p>
@@ -1951,7 +1958,7 @@
           <a:p>
             <a:fld id="{924ED8FA-2810-43A7-BF37-FF1F2D76931E}" type="datetimeFigureOut">
               <a:rPr lang="zh-CN" altLang="en-US" smtClean="0"/>
-              <a:t>2022/1/21</a:t>
+              <a:t>2022/1/27</a:t>
             </a:fld>
             <a:endParaRPr lang="zh-CN" altLang="en-US"/>
           </a:p>
@@ -2064,7 +2071,7 @@
           <a:p>
             <a:fld id="{924ED8FA-2810-43A7-BF37-FF1F2D76931E}" type="datetimeFigureOut">
               <a:rPr lang="zh-CN" altLang="en-US" smtClean="0"/>
-              <a:t>2022/1/21</a:t>
+              <a:t>2022/1/27</a:t>
             </a:fld>
             <a:endParaRPr lang="zh-CN" altLang="en-US"/>
           </a:p>
@@ -2375,7 +2382,7 @@
           <a:p>
             <a:fld id="{924ED8FA-2810-43A7-BF37-FF1F2D76931E}" type="datetimeFigureOut">
               <a:rPr lang="zh-CN" altLang="en-US" smtClean="0"/>
-              <a:t>2022/1/21</a:t>
+              <a:t>2022/1/27</a:t>
             </a:fld>
             <a:endParaRPr lang="zh-CN" altLang="en-US"/>
           </a:p>
@@ -2663,7 +2670,7 @@
           <a:p>
             <a:fld id="{924ED8FA-2810-43A7-BF37-FF1F2D76931E}" type="datetimeFigureOut">
               <a:rPr lang="zh-CN" altLang="en-US" smtClean="0"/>
-              <a:t>2022/1/21</a:t>
+              <a:t>2022/1/27</a:t>
             </a:fld>
             <a:endParaRPr lang="zh-CN" altLang="en-US"/>
           </a:p>
@@ -2904,7 +2911,7 @@
           <a:p>
             <a:fld id="{924ED8FA-2810-43A7-BF37-FF1F2D76931E}" type="datetimeFigureOut">
               <a:rPr lang="zh-CN" altLang="en-US" smtClean="0"/>
-              <a:t>2022/1/21</a:t>
+              <a:t>2022/1/27</a:t>
             </a:fld>
             <a:endParaRPr lang="zh-CN" altLang="en-US"/>
           </a:p>
@@ -3703,6 +3710,369 @@
 </p:sld>
 </file>
 
+<file path=ppt/slides/slide2.xml><?xml version="1.0" encoding="utf-8"?>
+<p:sld xmlns:a="http://schemas.openxmlformats.org/drawingml/2006/main" xmlns:r="http://schemas.openxmlformats.org/officeDocument/2006/relationships" xmlns:p="http://schemas.openxmlformats.org/presentationml/2006/main">
+  <p:cSld>
+    <p:spTree>
+      <p:nvGrpSpPr>
+        <p:cNvPr id="1" name=""/>
+        <p:cNvGrpSpPr/>
+        <p:nvPr/>
+      </p:nvGrpSpPr>
+      <p:grpSpPr>
+        <a:xfrm>
+          <a:off x="0" y="0"/>
+          <a:ext cx="0" cy="0"/>
+          <a:chOff x="0" y="0"/>
+          <a:chExt cx="0" cy="0"/>
+        </a:xfrm>
+      </p:grpSpPr>
+      <p:grpSp>
+        <p:nvGrpSpPr>
+          <p:cNvPr id="18" name="组合 17">
+            <a:extLst>
+              <a:ext uri="{FF2B5EF4-FFF2-40B4-BE49-F238E27FC236}">
+                <a16:creationId xmlns:a16="http://schemas.microsoft.com/office/drawing/2014/main" id="{BA7D0365-CAC2-491F-B39C-C9EA42A6F76A}"/>
+              </a:ext>
+            </a:extLst>
+          </p:cNvPr>
+          <p:cNvGrpSpPr/>
+          <p:nvPr/>
+        </p:nvGrpSpPr>
+        <p:grpSpPr>
+          <a:xfrm>
+            <a:off x="0" y="1"/>
+            <a:ext cx="9658350" cy="6858000"/>
+            <a:chOff x="4830664" y="675738"/>
+            <a:chExt cx="2512384" cy="2190189"/>
+          </a:xfrm>
+        </p:grpSpPr>
+        <p:pic>
+          <p:nvPicPr>
+            <p:cNvPr id="1032" name="Picture 8" descr="积分符号- 维基百科，自由的百科全书">
+              <a:extLst>
+                <a:ext uri="{FF2B5EF4-FFF2-40B4-BE49-F238E27FC236}">
+                  <a16:creationId xmlns:a16="http://schemas.microsoft.com/office/drawing/2014/main" id="{2696FBB1-D098-4042-A1C4-7301CAB25300}"/>
+                </a:ext>
+              </a:extLst>
+            </p:cNvPr>
+            <p:cNvPicPr>
+              <a:picLocks noChangeAspect="1" noChangeArrowheads="1"/>
+            </p:cNvPicPr>
+            <p:nvPr/>
+          </p:nvPicPr>
+          <p:blipFill>
+            <a:blip r:embed="rId2">
+              <a:extLst>
+                <a:ext uri="{28A0092B-C50C-407E-A947-70E740481C1C}">
+                  <a14:useLocalDpi xmlns:a14="http://schemas.microsoft.com/office/drawing/2010/main" val="0"/>
+                </a:ext>
+              </a:extLst>
+            </a:blip>
+            <a:srcRect/>
+            <a:stretch>
+              <a:fillRect/>
+            </a:stretch>
+          </p:blipFill>
+          <p:spPr bwMode="auto">
+            <a:xfrm>
+              <a:off x="4830664" y="675738"/>
+              <a:ext cx="1365319" cy="2190189"/>
+            </a:xfrm>
+            <a:prstGeom prst="rect">
+              <a:avLst/>
+            </a:prstGeom>
+            <a:noFill/>
+            <a:extLst>
+              <a:ext uri="{909E8E84-426E-40DD-AFC4-6F175D3DCCD1}">
+                <a14:hiddenFill xmlns:a14="http://schemas.microsoft.com/office/drawing/2010/main">
+                  <a:solidFill>
+                    <a:srgbClr val="FFFFFF"/>
+                  </a:solidFill>
+                </a14:hiddenFill>
+              </a:ext>
+            </a:extLst>
+          </p:spPr>
+        </p:pic>
+        <p:pic>
+          <p:nvPicPr>
+            <p:cNvPr id="12" name="Picture 8" descr="积分符号- 维基百科，自由的百科全书">
+              <a:extLst>
+                <a:ext uri="{FF2B5EF4-FFF2-40B4-BE49-F238E27FC236}">
+                  <a16:creationId xmlns:a16="http://schemas.microsoft.com/office/drawing/2014/main" id="{BC922C67-5B46-4BC3-95B7-62CCF8337FFA}"/>
+                </a:ext>
+              </a:extLst>
+            </p:cNvPr>
+            <p:cNvPicPr>
+              <a:picLocks noChangeAspect="1" noChangeArrowheads="1"/>
+            </p:cNvPicPr>
+            <p:nvPr/>
+          </p:nvPicPr>
+          <p:blipFill>
+            <a:blip r:embed="rId2">
+              <a:extLst>
+                <a:ext uri="{28A0092B-C50C-407E-A947-70E740481C1C}">
+                  <a14:useLocalDpi xmlns:a14="http://schemas.microsoft.com/office/drawing/2010/main" val="0"/>
+                </a:ext>
+              </a:extLst>
+            </a:blip>
+            <a:srcRect/>
+            <a:stretch>
+              <a:fillRect/>
+            </a:stretch>
+          </p:blipFill>
+          <p:spPr bwMode="auto">
+            <a:xfrm>
+              <a:off x="5381008" y="675738"/>
+              <a:ext cx="1365319" cy="2190189"/>
+            </a:xfrm>
+            <a:prstGeom prst="rect">
+              <a:avLst/>
+            </a:prstGeom>
+            <a:noFill/>
+            <a:extLst>
+              <a:ext uri="{909E8E84-426E-40DD-AFC4-6F175D3DCCD1}">
+                <a14:hiddenFill xmlns:a14="http://schemas.microsoft.com/office/drawing/2010/main">
+                  <a:solidFill>
+                    <a:srgbClr val="FFFFFF"/>
+                  </a:solidFill>
+                </a14:hiddenFill>
+              </a:ext>
+            </a:extLst>
+          </p:spPr>
+        </p:pic>
+        <p:pic>
+          <p:nvPicPr>
+            <p:cNvPr id="13" name="Picture 8" descr="积分符号- 维基百科，自由的百科全书">
+              <a:extLst>
+                <a:ext uri="{FF2B5EF4-FFF2-40B4-BE49-F238E27FC236}">
+                  <a16:creationId xmlns:a16="http://schemas.microsoft.com/office/drawing/2014/main" id="{57A6DEBB-8E39-4080-B8EE-D5FC7C52193D}"/>
+                </a:ext>
+              </a:extLst>
+            </p:cNvPr>
+            <p:cNvPicPr>
+              <a:picLocks noChangeAspect="1" noChangeArrowheads="1"/>
+            </p:cNvPicPr>
+            <p:nvPr/>
+          </p:nvPicPr>
+          <p:blipFill>
+            <a:blip r:embed="rId2">
+              <a:extLst>
+                <a:ext uri="{28A0092B-C50C-407E-A947-70E740481C1C}">
+                  <a14:useLocalDpi xmlns:a14="http://schemas.microsoft.com/office/drawing/2010/main" val="0"/>
+                </a:ext>
+              </a:extLst>
+            </a:blip>
+            <a:srcRect/>
+            <a:stretch>
+              <a:fillRect/>
+            </a:stretch>
+          </p:blipFill>
+          <p:spPr bwMode="auto">
+            <a:xfrm>
+              <a:off x="5977729" y="675738"/>
+              <a:ext cx="1365319" cy="2190189"/>
+            </a:xfrm>
+            <a:prstGeom prst="rect">
+              <a:avLst/>
+            </a:prstGeom>
+            <a:noFill/>
+            <a:extLst>
+              <a:ext uri="{909E8E84-426E-40DD-AFC4-6F175D3DCCD1}">
+                <a14:hiddenFill xmlns:a14="http://schemas.microsoft.com/office/drawing/2010/main">
+                  <a:solidFill>
+                    <a:srgbClr val="FFFFFF"/>
+                  </a:solidFill>
+                </a14:hiddenFill>
+              </a:ext>
+            </a:extLst>
+          </p:spPr>
+        </p:pic>
+      </p:grpSp>
+    </p:spTree>
+    <p:extLst>
+      <p:ext uri="{BB962C8B-B14F-4D97-AF65-F5344CB8AC3E}">
+        <p14:creationId xmlns:p14="http://schemas.microsoft.com/office/powerpoint/2010/main" val="1560231154"/>
+      </p:ext>
+    </p:extLst>
+  </p:cSld>
+  <p:clrMapOvr>
+    <a:masterClrMapping/>
+  </p:clrMapOvr>
+</p:sld>
+</file>
+
+<file path=ppt/slides/slide3.xml><?xml version="1.0" encoding="utf-8"?>
+<p:sld xmlns:a="http://schemas.openxmlformats.org/drawingml/2006/main" xmlns:r="http://schemas.openxmlformats.org/officeDocument/2006/relationships" xmlns:p="http://schemas.openxmlformats.org/presentationml/2006/main">
+  <p:cSld>
+    <p:spTree>
+      <p:nvGrpSpPr>
+        <p:cNvPr id="1" name=""/>
+        <p:cNvGrpSpPr/>
+        <p:nvPr/>
+      </p:nvGrpSpPr>
+      <p:grpSpPr>
+        <a:xfrm>
+          <a:off x="0" y="0"/>
+          <a:ext cx="0" cy="0"/>
+          <a:chOff x="0" y="0"/>
+          <a:chExt cx="0" cy="0"/>
+        </a:xfrm>
+      </p:grpSpPr>
+      <p:sp>
+        <p:nvSpPr>
+          <p:cNvPr id="10" name="Rectangle 9">
+            <a:extLst>
+              <a:ext uri="{FF2B5EF4-FFF2-40B4-BE49-F238E27FC236}">
+                <a16:creationId xmlns:a16="http://schemas.microsoft.com/office/drawing/2014/main" id="{DEF1F629-E8A2-4B8F-9000-C182E1F03874}"/>
+              </a:ext>
+            </a:extLst>
+          </p:cNvPr>
+          <p:cNvSpPr>
+            <a:spLocks noGrp="1" noChangeArrowheads="1"/>
+          </p:cNvSpPr>
+          <p:nvPr>
+            <p:ph type="ctrTitle"/>
+          </p:nvPr>
+        </p:nvSpPr>
+        <p:spPr bwMode="auto">
+          <a:xfrm>
+            <a:off x="0" y="2631272"/>
+            <a:ext cx="12192000" cy="1446550"/>
+          </a:xfrm>
+          <a:prstGeom prst="rect">
+            <a:avLst/>
+          </a:prstGeom>
+          <a:noFill/>
+          <a:ln>
+            <a:noFill/>
+          </a:ln>
+          <a:effectLst/>
+          <a:extLst>
+            <a:ext uri="{909E8E84-426E-40DD-AFC4-6F175D3DCCD1}">
+              <a14:hiddenFill xmlns:a14="http://schemas.microsoft.com/office/drawing/2010/main">
+                <a:solidFill>
+                  <a:schemeClr val="accent1"/>
+                </a:solidFill>
+              </a14:hiddenFill>
+            </a:ext>
+            <a:ext uri="{91240B29-F687-4F45-9708-019B960494DF}">
+              <a14:hiddenLine xmlns:a14="http://schemas.microsoft.com/office/drawing/2010/main" w="9525">
+                <a:solidFill>
+                  <a:schemeClr val="tx1"/>
+                </a:solidFill>
+                <a:miter lim="800000"/>
+                <a:headEnd/>
+                <a:tailEnd/>
+              </a14:hiddenLine>
+            </a:ext>
+            <a:ext uri="{AF507438-7753-43E0-B8FC-AC1667EBCBE1}">
+              <a14:hiddenEffects xmlns:a14="http://schemas.microsoft.com/office/drawing/2010/main">
+                <a:effectLst>
+                  <a:outerShdw dist="35921" dir="2700000" algn="ctr" rotWithShape="0">
+                    <a:schemeClr val="bg2"/>
+                  </a:outerShdw>
+                </a:effectLst>
+              </a14:hiddenEffects>
+            </a:ext>
+          </a:extLst>
+        </p:spPr>
+        <p:txBody>
+          <a:bodyPr vert="horz" wrap="square" lIns="91440" tIns="45720" rIns="91440" bIns="45720" numCol="1" anchor="ctr" anchorCtr="0" compatLnSpc="1">
+            <a:prstTxWarp prst="textNoShape">
+              <a:avLst/>
+            </a:prstTxWarp>
+            <a:spAutoFit/>
+          </a:bodyPr>
+          <a:lstStyle/>
+          <a:p>
+            <a:pPr marL="0" marR="0" lvl="0" indent="0" defTabSz="914400" rtl="0" eaLnBrk="0" fontAlgn="base" latinLnBrk="0" hangingPunct="0">
+              <a:lnSpc>
+                <a:spcPct val="100000"/>
+              </a:lnSpc>
+              <a:spcBef>
+                <a:spcPct val="0"/>
+              </a:spcBef>
+              <a:spcAft>
+                <a:spcPct val="0"/>
+              </a:spcAft>
+              <a:buClrTx/>
+              <a:buSzTx/>
+              <a:buFontTx/>
+              <a:buNone/>
+              <a:tabLst/>
+            </a:pPr>
+            <a:r>
+              <a:rPr kumimoji="0" lang="zh-CN" altLang="zh-CN" sz="8800" b="1" i="0" u="none" strike="noStrike" cap="none" normalizeH="0" baseline="0" dirty="0">
+                <a:ln>
+                  <a:noFill/>
+                </a:ln>
+                <a:solidFill>
+                  <a:srgbClr val="353535"/>
+                </a:solidFill>
+                <a:effectLst>
+                  <a:outerShdw blurRad="38100" dist="38100" dir="2700000" algn="tl">
+                    <a:srgbClr val="000000">
+                      <a:alpha val="43137"/>
+                    </a:srgbClr>
+                  </a:outerShdw>
+                </a:effectLst>
+                <a:latin typeface="Ink Free" panose="03080402000500000000" pitchFamily="66" charset="0"/>
+                <a:ea typeface="思源宋体 CN Medium" panose="02020500000000000000" pitchFamily="18" charset="-122"/>
+              </a:rPr>
+              <a:t>Scientific Calculation Bot</a:t>
+            </a:r>
+            <a:r>
+              <a:rPr kumimoji="0" lang="zh-CN" altLang="zh-CN" sz="3600" b="1" i="0" u="none" strike="noStrike" cap="none" normalizeH="0" baseline="0" dirty="0">
+                <a:ln>
+                  <a:noFill/>
+                </a:ln>
+                <a:solidFill>
+                  <a:schemeClr val="tx1"/>
+                </a:solidFill>
+                <a:effectLst>
+                  <a:outerShdw blurRad="38100" dist="38100" dir="2700000" algn="tl">
+                    <a:srgbClr val="000000">
+                      <a:alpha val="43137"/>
+                    </a:srgbClr>
+                  </a:outerShdw>
+                </a:effectLst>
+                <a:latin typeface="Ink Free" panose="03080402000500000000" pitchFamily="66" charset="0"/>
+              </a:rPr>
+              <a:t> </a:t>
+            </a:r>
+            <a:endParaRPr kumimoji="0" lang="zh-CN" altLang="zh-CN" sz="13800" b="1" i="0" u="none" strike="noStrike" cap="none" normalizeH="0" baseline="0" dirty="0">
+              <a:ln>
+                <a:noFill/>
+              </a:ln>
+              <a:solidFill>
+                <a:schemeClr val="tx1"/>
+              </a:solidFill>
+              <a:effectLst>
+                <a:outerShdw blurRad="38100" dist="38100" dir="2700000" algn="tl">
+                  <a:srgbClr val="000000">
+                    <a:alpha val="43137"/>
+                  </a:srgbClr>
+                </a:outerShdw>
+              </a:effectLst>
+              <a:latin typeface="Ink Free" panose="03080402000500000000" pitchFamily="66" charset="0"/>
+            </a:endParaRPr>
+          </a:p>
+        </p:txBody>
+      </p:sp>
+    </p:spTree>
+    <p:extLst>
+      <p:ext uri="{BB962C8B-B14F-4D97-AF65-F5344CB8AC3E}">
+        <p14:creationId xmlns:p14="http://schemas.microsoft.com/office/powerpoint/2010/main" val="3226875828"/>
+      </p:ext>
+    </p:extLst>
+  </p:cSld>
+  <p:clrMapOvr>
+    <a:masterClrMapping/>
+  </p:clrMapOvr>
+</p:sld>
+</file>
+
 <file path=ppt/theme/theme1.xml><?xml version="1.0" encoding="utf-8"?>
 <a:theme xmlns:a="http://schemas.openxmlformats.org/drawingml/2006/main" name="Office 主题​​">
   <a:themeElements>
